--- a/PowerShell/Day4/PowerShell.pptx
+++ b/PowerShell/Day4/PowerShell.pptx
@@ -8,7 +8,7 @@
     <p:sldId id="256" r:id="rId2"/>
     <p:sldId id="278" r:id="rId3"/>
     <p:sldId id="281" r:id="rId4"/>
-    <p:sldId id="266" r:id="rId5"/>
+    <p:sldId id="282" r:id="rId5"/>
     <p:sldId id="267" r:id="rId6"/>
   </p:sldIdLst>
   <p:sldSz cx="12192000" cy="6858000"/>
@@ -3000,7 +3000,7 @@
             </a:r>
             <a:r>
               <a:rPr lang="en-GB" sz="4400" dirty="0" smtClean="0"/>
-              <a:t>Pipeline</a:t>
+              <a:t>Pipeline (|)</a:t>
             </a:r>
             <a:endParaRPr lang="en-GB" sz="4400" dirty="0"/>
           </a:p>
@@ -3153,7 +3153,11 @@
           <a:p>
             <a:r>
               <a:rPr lang="en-GB" dirty="0"/>
-              <a:t>What is the Pipeline?</a:t>
+              <a:t>What is the </a:t>
+            </a:r>
+            <a:r>
+              <a:rPr lang="en-GB" dirty="0" smtClean="0"/>
+              <a:t>Pipeline(|)?</a:t>
             </a:r>
             <a:endParaRPr lang="en-GB" dirty="0"/>
           </a:p>
@@ -3171,12 +3175,14 @@
         </p:nvSpPr>
         <p:spPr>
           <a:xfrm>
-            <a:off x="838200" y="1547720"/>
+            <a:off x="838200" y="1671287"/>
             <a:ext cx="10515600" cy="4351338"/>
           </a:xfrm>
         </p:spPr>
         <p:txBody>
-          <a:bodyPr/>
+          <a:bodyPr>
+            <a:normAutofit/>
+          </a:bodyPr>
           <a:lstStyle/>
           <a:p>
             <a:pPr eaLnBrk="0" fontAlgn="base" hangingPunct="0">
@@ -3190,9 +3196,39 @@
                 <a:spcPct val="0"/>
               </a:spcAft>
             </a:pPr>
-            <a:endParaRPr lang="en-US" altLang="en-US" sz="1800" b="1" dirty="0" smtClean="0">
-              <a:latin typeface="Arial" panose="020B0604020202020204" pitchFamily="34" charset="0"/>
-            </a:endParaRPr>
+            <a:r>
+              <a:rPr lang="en-US" sz="1800" dirty="0"/>
+              <a:t>The pipeline (|) in PowerShell </a:t>
+            </a:r>
+            <a:r>
+              <a:rPr lang="en-GB" sz="1800" dirty="0"/>
+              <a:t>is used </a:t>
+            </a:r>
+            <a:r>
+              <a:rPr lang="en-GB" sz="1800" dirty="0" smtClean="0"/>
+              <a:t>to</a:t>
+            </a:r>
+            <a:r>
+              <a:rPr lang="en-US" sz="1800" dirty="0" smtClean="0"/>
+              <a:t> </a:t>
+            </a:r>
+            <a:r>
+              <a:rPr lang="en-US" sz="1800" dirty="0"/>
+              <a:t>pass the </a:t>
+            </a:r>
+            <a:r>
+              <a:rPr lang="en-US" sz="1800" dirty="0" smtClean="0"/>
+              <a:t>output (data) </a:t>
+            </a:r>
+            <a:r>
+              <a:rPr lang="en-US" sz="1800" dirty="0"/>
+              <a:t>of one cmdlet directly to the next </a:t>
+            </a:r>
+            <a:r>
+              <a:rPr lang="en-US" sz="1800" dirty="0" smtClean="0"/>
+              <a:t>cmdlet</a:t>
+            </a:r>
+            <a:endParaRPr lang="en-US" sz="1800" dirty="0"/>
           </a:p>
           <a:p>
             <a:pPr eaLnBrk="0" fontAlgn="base" hangingPunct="0">
@@ -3207,14 +3243,14 @@
               </a:spcAft>
             </a:pPr>
             <a:r>
-              <a:rPr lang="en-US" sz="1800" b="1" dirty="0"/>
-              <a:t>Used to send the output of one cmdlet directly to another cmdlet</a:t>
-            </a:r>
-            <a:r>
-              <a:rPr lang="en-US" sz="1800" b="1" dirty="0" smtClean="0"/>
-              <a:t>.</a:t>
-            </a:r>
-            <a:endParaRPr lang="en-US" sz="1800" b="1" dirty="0"/>
+              <a:rPr lang="en-US" sz="1800" dirty="0"/>
+              <a:t>Enables sequential processing of data, with each cmdlet performing an action on the data it </a:t>
+            </a:r>
+            <a:r>
+              <a:rPr lang="en-US" sz="1800" dirty="0" smtClean="0"/>
+              <a:t>receives</a:t>
+            </a:r>
+            <a:endParaRPr lang="en-US" sz="1800" dirty="0"/>
           </a:p>
           <a:p>
             <a:pPr eaLnBrk="0" fontAlgn="base" hangingPunct="0">
@@ -3229,18 +3265,9 @@
               </a:spcAft>
             </a:pPr>
             <a:r>
-              <a:rPr lang="en-US" sz="1800" b="1" dirty="0"/>
-              <a:t>Process objects in sequence</a:t>
-            </a:r>
-            <a:r>
               <a:rPr lang="en-US" sz="1800" dirty="0"/>
-              <a:t>, performing different actions on the data</a:t>
-            </a:r>
-            <a:r>
-              <a:rPr lang="en-US" sz="1800" dirty="0" smtClean="0"/>
-              <a:t>.</a:t>
-            </a:r>
-            <a:endParaRPr lang="en-US" sz="1800" dirty="0"/>
+              <a:t>Like a conveyor belt, data moves from one cmdlet to another, getting processed or changed at each step</a:t>
+            </a:r>
           </a:p>
           <a:p>
             <a:pPr eaLnBrk="0" fontAlgn="base" hangingPunct="0">
@@ -3254,115 +3281,7 @@
                 <a:spcPct val="0"/>
               </a:spcAft>
             </a:pPr>
-            <a:r>
-              <a:rPr lang="en-US" sz="1800" b="1" dirty="0"/>
-              <a:t>Filter, sort, and manipulate data with ease</a:t>
-            </a:r>
-            <a:r>
-              <a:rPr lang="en-US" sz="1800" dirty="0"/>
-              <a:t>, making </a:t>
-            </a:r>
-            <a:r>
-              <a:rPr lang="en-US" sz="1800" dirty="0" smtClean="0"/>
-              <a:t>an </a:t>
-            </a:r>
-            <a:r>
-              <a:rPr lang="en-US" sz="1800" dirty="0"/>
-              <a:t>effective scripting tool for system automation and management.</a:t>
-            </a:r>
             <a:endParaRPr lang="en-US" sz="1800" dirty="0" smtClean="0"/>
-          </a:p>
-          <a:p>
-            <a:pPr eaLnBrk="0" fontAlgn="base" hangingPunct="0">
-              <a:lnSpc>
-                <a:spcPct val="100000"/>
-              </a:lnSpc>
-              <a:spcBef>
-                <a:spcPct val="0"/>
-              </a:spcBef>
-              <a:spcAft>
-                <a:spcPct val="0"/>
-              </a:spcAft>
-            </a:pPr>
-            <a:r>
-              <a:rPr lang="en-US" sz="1800" b="1" dirty="0"/>
-              <a:t>Chaining cmdlets together</a:t>
-            </a:r>
-            <a:r>
-              <a:rPr lang="en-US" sz="1800" dirty="0"/>
-              <a:t> enables complex operations with minimal code</a:t>
-            </a:r>
-            <a:r>
-              <a:rPr lang="en-US" sz="1800" dirty="0" smtClean="0"/>
-              <a:t>.</a:t>
-            </a:r>
-          </a:p>
-          <a:p>
-            <a:pPr eaLnBrk="0" fontAlgn="base" hangingPunct="0">
-              <a:lnSpc>
-                <a:spcPct val="100000"/>
-              </a:lnSpc>
-              <a:spcBef>
-                <a:spcPct val="0"/>
-              </a:spcBef>
-              <a:spcAft>
-                <a:spcPct val="0"/>
-              </a:spcAft>
-            </a:pPr>
-            <a:r>
-              <a:rPr lang="en-US" sz="1800" b="1" dirty="0"/>
-              <a:t>Each cmdlet in the pipeline</a:t>
-            </a:r>
-            <a:r>
-              <a:rPr lang="en-US" sz="1800" dirty="0"/>
-              <a:t> can modify, filter, or format the data before passing it on</a:t>
-            </a:r>
-            <a:r>
-              <a:rPr lang="en-US" sz="1800" dirty="0" smtClean="0"/>
-              <a:t>.</a:t>
-            </a:r>
-          </a:p>
-          <a:p>
-            <a:pPr eaLnBrk="0" fontAlgn="base" hangingPunct="0">
-              <a:lnSpc>
-                <a:spcPct val="100000"/>
-              </a:lnSpc>
-              <a:spcBef>
-                <a:spcPct val="0"/>
-              </a:spcBef>
-              <a:spcAft>
-                <a:spcPct val="0"/>
-              </a:spcAft>
-            </a:pPr>
-            <a:endParaRPr lang="en-US" sz="1800" dirty="0" smtClean="0"/>
-          </a:p>
-          <a:p>
-            <a:pPr eaLnBrk="0" fontAlgn="base" hangingPunct="0">
-              <a:lnSpc>
-                <a:spcPct val="100000"/>
-              </a:lnSpc>
-              <a:spcBef>
-                <a:spcPct val="0"/>
-              </a:spcBef>
-              <a:spcAft>
-                <a:spcPct val="0"/>
-              </a:spcAft>
-            </a:pPr>
-            <a:endParaRPr lang="en-US" sz="1800" dirty="0"/>
-          </a:p>
-          <a:p>
-            <a:pPr eaLnBrk="0" fontAlgn="base" hangingPunct="0">
-              <a:lnSpc>
-                <a:spcPct val="100000"/>
-              </a:lnSpc>
-              <a:spcBef>
-                <a:spcPct val="0"/>
-              </a:spcBef>
-              <a:spcAft>
-                <a:spcPct val="0"/>
-              </a:spcAft>
-            </a:pPr>
-            <a:endParaRPr lang="en-US" sz="1800" dirty="0"/>
           </a:p>
           <a:p>
             <a:pPr marL="0" indent="0" eaLnBrk="0" fontAlgn="base" hangingPunct="0">
@@ -3378,20 +3297,12 @@
               <a:buNone/>
             </a:pPr>
             <a:r>
-              <a:rPr lang="en-US" sz="1800" dirty="0" smtClean="0"/>
-              <a:t>Basic </a:t>
-            </a:r>
-            <a:r>
-              <a:rPr lang="en-US" sz="1800" dirty="0"/>
-              <a:t>Syntax of the Pipeline</a:t>
-            </a:r>
-            <a:r>
-              <a:rPr lang="en-US" sz="1800" dirty="0" smtClean="0"/>
-              <a:t>:</a:t>
-            </a:r>
-          </a:p>
-          <a:p>
-            <a:pPr marL="457200" lvl="1" indent="0" eaLnBrk="0" fontAlgn="base" hangingPunct="0">
+              <a:rPr lang="en-US" sz="2400" dirty="0" smtClean="0"/>
+              <a:t>Basic Syntax of the Pipeline:</a:t>
+            </a:r>
+          </a:p>
+          <a:p>
+            <a:pPr marL="914400" lvl="2" indent="0" eaLnBrk="0" fontAlgn="base" hangingPunct="0">
               <a:lnSpc>
                 <a:spcPct val="100000"/>
               </a:lnSpc>
@@ -3404,12 +3315,20 @@
               <a:buNone/>
             </a:pPr>
             <a:r>
-              <a:rPr lang="en-US" sz="1400" dirty="0"/>
-              <a:t>&lt;cmdlet1&gt; | &lt;cmdlet2&gt; | &lt;cmdlet3&gt; ...</a:t>
-            </a:r>
-          </a:p>
-          <a:p>
-            <a:pPr eaLnBrk="0" fontAlgn="base" hangingPunct="0">
+              <a:rPr lang="en-US" b="1" dirty="0" smtClean="0"/>
+              <a:t>&lt;</a:t>
+            </a:r>
+            <a:r>
+              <a:rPr lang="en-US" b="1" dirty="0"/>
+              <a:t>cmdlet1&gt; | &lt;cmdlet2&gt; | &lt;cmdlet3&gt; </a:t>
+            </a:r>
+            <a:r>
+              <a:rPr lang="en-US" b="1" dirty="0" smtClean="0"/>
+              <a:t>...</a:t>
+            </a:r>
+          </a:p>
+          <a:p>
+            <a:pPr marL="914400" lvl="2" indent="0" eaLnBrk="0" fontAlgn="base" hangingPunct="0">
               <a:lnSpc>
                 <a:spcPct val="100000"/>
               </a:lnSpc>
@@ -3419,11 +3338,131 @@
               <a:spcAft>
                 <a:spcPct val="0"/>
               </a:spcAft>
+              <a:buNone/>
             </a:pPr>
-            <a:endParaRPr lang="en-US" sz="1800" dirty="0" smtClean="0"/>
-          </a:p>
-        </p:txBody>
-      </p:sp>
+            <a:endParaRPr lang="en-US" sz="1400" b="1" dirty="0" smtClean="0"/>
+          </a:p>
+          <a:p>
+            <a:pPr marL="914400" lvl="2" indent="0" eaLnBrk="0" fontAlgn="base" hangingPunct="0">
+              <a:lnSpc>
+                <a:spcPct val="100000"/>
+              </a:lnSpc>
+              <a:spcBef>
+                <a:spcPct val="0"/>
+              </a:spcBef>
+              <a:spcAft>
+                <a:spcPct val="0"/>
+              </a:spcAft>
+              <a:buNone/>
+            </a:pPr>
+            <a:endParaRPr lang="en-US" sz="1400" b="1" dirty="0"/>
+          </a:p>
+          <a:p>
+            <a:pPr marL="914400" lvl="2" indent="0" eaLnBrk="0" fontAlgn="base" hangingPunct="0">
+              <a:lnSpc>
+                <a:spcPct val="100000"/>
+              </a:lnSpc>
+              <a:spcBef>
+                <a:spcPct val="0"/>
+              </a:spcBef>
+              <a:spcAft>
+                <a:spcPct val="0"/>
+              </a:spcAft>
+              <a:buNone/>
+            </a:pPr>
+            <a:endParaRPr lang="en-US" sz="1400" b="1" dirty="0" smtClean="0"/>
+          </a:p>
+          <a:p>
+            <a:pPr marL="0" indent="0" eaLnBrk="0" fontAlgn="base" hangingPunct="0">
+              <a:lnSpc>
+                <a:spcPct val="100000"/>
+              </a:lnSpc>
+              <a:spcBef>
+                <a:spcPct val="0"/>
+              </a:spcBef>
+              <a:spcAft>
+                <a:spcPct val="0"/>
+              </a:spcAft>
+              <a:buNone/>
+            </a:pPr>
+            <a:r>
+              <a:rPr lang="en-US" sz="2400" dirty="0"/>
+              <a:t>Example</a:t>
+            </a:r>
+            <a:r>
+              <a:rPr lang="en-US" sz="1800" dirty="0" smtClean="0"/>
+              <a:t>:</a:t>
+            </a:r>
+            <a:endParaRPr lang="en-US" sz="1800" dirty="0"/>
+          </a:p>
+          <a:p>
+            <a:pPr marL="0" indent="0" eaLnBrk="0" fontAlgn="base" hangingPunct="0">
+              <a:lnSpc>
+                <a:spcPct val="100000"/>
+              </a:lnSpc>
+              <a:spcBef>
+                <a:spcPct val="0"/>
+              </a:spcBef>
+              <a:spcAft>
+                <a:spcPct val="0"/>
+              </a:spcAft>
+              <a:buNone/>
+            </a:pPr>
+            <a:r>
+              <a:rPr lang="en-GB" sz="1800" dirty="0" smtClean="0"/>
+              <a:t>	</a:t>
+            </a:r>
+            <a:r>
+              <a:rPr lang="en-GB" sz="1800" b="1" dirty="0" smtClean="0"/>
+              <a:t>Get-Service </a:t>
+            </a:r>
+            <a:r>
+              <a:rPr lang="en-GB" sz="1800" b="1" dirty="0"/>
+              <a:t>-Name </a:t>
+            </a:r>
+            <a:r>
+              <a:rPr lang="en-GB" sz="1800" b="1" dirty="0" err="1"/>
+              <a:t>wuauserv</a:t>
+            </a:r>
+            <a:r>
+              <a:rPr lang="en-GB" sz="1800" b="1" dirty="0"/>
+              <a:t> | Stop-Service</a:t>
+            </a:r>
+            <a:endParaRPr lang="en-US" sz="1800" b="1" dirty="0" smtClean="0"/>
+          </a:p>
+        </p:txBody>
+      </p:sp>
+      <p:cxnSp>
+        <p:nvCxnSpPr>
+          <p:cNvPr id="4" name="Straight Connector 3"/>
+          <p:cNvCxnSpPr/>
+          <p:nvPr/>
+        </p:nvCxnSpPr>
+        <p:spPr>
+          <a:xfrm>
+            <a:off x="838200" y="1566266"/>
+            <a:ext cx="10422924" cy="1"/>
+          </a:xfrm>
+          <a:prstGeom prst="line">
+            <a:avLst/>
+          </a:prstGeom>
+          <a:ln w="38100"/>
+        </p:spPr>
+        <p:style>
+          <a:lnRef idx="1">
+            <a:schemeClr val="accent1"/>
+          </a:lnRef>
+          <a:fillRef idx="0">
+            <a:schemeClr val="accent1"/>
+          </a:fillRef>
+          <a:effectRef idx="0">
+            <a:schemeClr val="accent1"/>
+          </a:effectRef>
+          <a:fontRef idx="minor">
+            <a:schemeClr val="tx1"/>
+          </a:fontRef>
+        </p:style>
+      </p:cxnSp>
     </p:spTree>
     <p:extLst>
       <p:ext uri="{BB962C8B-B14F-4D97-AF65-F5344CB8AC3E}">
@@ -3478,7 +3517,7 @@
                                         <p:tgtEl>
                                           <p:spTgt spid="3">
                                             <p:txEl>
-                                              <p:pRg st="1" end="1"/>
+                                              <p:pRg st="0" end="0"/>
                                             </p:txEl>
                                           </p:spTgt>
                                         </p:tgtEl>
@@ -3527,7 +3566,7 @@
                                         <p:tgtEl>
                                           <p:spTgt spid="3">
                                             <p:txEl>
-                                              <p:pRg st="2" end="2"/>
+                                              <p:pRg st="1" end="1"/>
                                             </p:txEl>
                                           </p:spTgt>
                                         </p:tgtEl>
@@ -3576,7 +3615,7 @@
                                         <p:tgtEl>
                                           <p:spTgt spid="3">
                                             <p:txEl>
-                                              <p:pRg st="3" end="3"/>
+                                              <p:pRg st="2" end="2"/>
                                             </p:txEl>
                                           </p:spTgt>
                                         </p:tgtEl>
@@ -3640,33 +3679,15 @@
                                   </p:childTnLst>
                                 </p:cTn>
                               </p:par>
-                            </p:childTnLst>
-                          </p:cTn>
-                        </p:par>
-                      </p:childTnLst>
-                    </p:cTn>
-                  </p:par>
-                  <p:par>
-                    <p:cTn id="19" fill="hold">
-                      <p:stCondLst>
-                        <p:cond delay="indefinite"/>
-                      </p:stCondLst>
-                      <p:childTnLst>
-                        <p:par>
-                          <p:cTn id="20" fill="hold">
-                            <p:stCondLst>
-                              <p:cond delay="0"/>
-                            </p:stCondLst>
-                            <p:childTnLst>
                               <p:par>
-                                <p:cTn id="21" presetID="1" presetClass="entr" presetSubtype="0" fill="hold" nodeType="clickEffect">
+                                <p:cTn id="19" presetID="1" presetClass="entr" presetSubtype="0" fill="hold" nodeType="withEffect">
                                   <p:stCondLst>
                                     <p:cond delay="0"/>
                                   </p:stCondLst>
                                   <p:childTnLst>
                                     <p:set>
                                       <p:cBhvr>
-                                        <p:cTn id="22" dur="1" fill="hold">
+                                        <p:cTn id="20" dur="1" fill="hold">
                                           <p:stCondLst>
                                             <p:cond delay="0"/>
                                           </p:stCondLst>
@@ -3689,33 +3710,15 @@
                                   </p:childTnLst>
                                 </p:cTn>
                               </p:par>
-                            </p:childTnLst>
-                          </p:cTn>
-                        </p:par>
-                      </p:childTnLst>
-                    </p:cTn>
-                  </p:par>
-                  <p:par>
-                    <p:cTn id="23" fill="hold">
-                      <p:stCondLst>
-                        <p:cond delay="indefinite"/>
-                      </p:stCondLst>
-                      <p:childTnLst>
-                        <p:par>
-                          <p:cTn id="24" fill="hold">
-                            <p:stCondLst>
-                              <p:cond delay="0"/>
-                            </p:stCondLst>
-                            <p:childTnLst>
                               <p:par>
-                                <p:cTn id="25" presetID="1" presetClass="entr" presetSubtype="0" fill="hold" nodeType="clickEffect">
+                                <p:cTn id="21" presetID="1" presetClass="entr" presetSubtype="0" fill="hold" nodeType="withEffect">
                                   <p:stCondLst>
                                     <p:cond delay="0"/>
                                   </p:stCondLst>
                                   <p:childTnLst>
                                     <p:set>
                                       <p:cBhvr>
-                                        <p:cTn id="26" dur="1" fill="hold">
+                                        <p:cTn id="22" dur="1" fill="hold">
                                           <p:stCondLst>
                                             <p:cond delay="0"/>
                                           </p:stCondLst>
@@ -3739,14 +3742,14 @@
                                 </p:cTn>
                               </p:par>
                               <p:par>
-                                <p:cTn id="27" presetID="1" presetClass="entr" presetSubtype="0" fill="hold" nodeType="withEffect">
+                                <p:cTn id="23" presetID="1" presetClass="entr" presetSubtype="0" fill="hold" nodeType="withEffect">
                                   <p:stCondLst>
                                     <p:cond delay="0"/>
                                   </p:stCondLst>
                                   <p:childTnLst>
                                     <p:set>
                                       <p:cBhvr>
-                                        <p:cTn id="28" dur="1" fill="hold">
+                                        <p:cTn id="24" dur="1" fill="hold">
                                           <p:stCondLst>
                                             <p:cond delay="0"/>
                                           </p:stCondLst>
@@ -3827,63 +3830,639 @@
             <p:ph type="title"/>
           </p:nvPr>
         </p:nvSpPr>
-        <p:spPr/>
+        <p:spPr>
+          <a:xfrm>
+            <a:off x="838200" y="216844"/>
+            <a:ext cx="10515600" cy="1241253"/>
+          </a:xfrm>
+        </p:spPr>
         <p:txBody>
           <a:bodyPr/>
           <a:lstStyle/>
           <a:p>
             <a:r>
               <a:rPr lang="en-US" dirty="0"/>
-              <a:t>Benefits of Using the Pipeline:</a:t>
+              <a:t>Benefits of </a:t>
+            </a:r>
+            <a:r>
+              <a:rPr lang="en-US" dirty="0" smtClean="0"/>
+              <a:t>using </a:t>
+            </a:r>
+            <a:r>
+              <a:rPr lang="en-US" dirty="0"/>
+              <a:t>the Pipeline:</a:t>
             </a:r>
             <a:endParaRPr lang="en-GB" dirty="0"/>
           </a:p>
         </p:txBody>
       </p:sp>
-      <p:sp>
-        <p:nvSpPr>
-          <p:cNvPr id="3" name="Content Placeholder 2"/>
-          <p:cNvSpPr>
-            <a:spLocks noGrp="1"/>
+      <p:cxnSp>
+        <p:nvCxnSpPr>
+          <p:cNvPr id="4" name="Straight Connector 3"/>
+          <p:cNvCxnSpPr/>
+          <p:nvPr/>
+        </p:nvCxnSpPr>
+        <p:spPr>
+          <a:xfrm>
+            <a:off x="838200" y="1644390"/>
+            <a:ext cx="10422924" cy="1"/>
+          </a:xfrm>
+          <a:prstGeom prst="line">
+            <a:avLst/>
+          </a:prstGeom>
+          <a:ln w="38100"/>
+        </p:spPr>
+        <p:style>
+          <a:lnRef idx="1">
+            <a:schemeClr val="accent1"/>
+          </a:lnRef>
+          <a:fillRef idx="0">
+            <a:schemeClr val="accent1"/>
+          </a:fillRef>
+          <a:effectRef idx="0">
+            <a:schemeClr val="accent1"/>
+          </a:effectRef>
+          <a:fontRef idx="minor">
+            <a:schemeClr val="tx1"/>
+          </a:fontRef>
+        </p:style>
+      </p:cxnSp>
+      <p:sp>
+        <p:nvSpPr>
+          <p:cNvPr id="5" name="Rectangle 1"/>
+          <p:cNvSpPr>
+            <a:spLocks noGrp="1" noChangeArrowheads="1"/>
           </p:cNvSpPr>
           <p:nvPr>
             <p:ph idx="1"/>
           </p:nvPr>
         </p:nvSpPr>
-        <p:spPr/>
-        <p:txBody>
-          <a:bodyPr/>
-          <a:lstStyle/>
-          <a:p>
-            <a:r>
-              <a:rPr lang="en-US" b="1" dirty="0"/>
-              <a:t>Efficiency</a:t>
-            </a:r>
-            <a:r>
-              <a:rPr lang="en-US" dirty="0"/>
-              <a:t>: Allows you to process and filter data in a single command, reducing the need for temporary variables.</a:t>
-            </a:r>
-          </a:p>
-          <a:p>
-            <a:r>
-              <a:rPr lang="en-US" b="1" dirty="0"/>
-              <a:t>Readability</a:t>
-            </a:r>
-            <a:r>
-              <a:rPr lang="en-US" dirty="0"/>
-              <a:t>: Using the pipeline can make scripts more readable and easier to understand by chaining cmdlets logically.</a:t>
-            </a:r>
-          </a:p>
-          <a:p>
-            <a:r>
-              <a:rPr lang="en-US" b="1" dirty="0"/>
-              <a:t>Flexibility</a:t>
-            </a:r>
-            <a:r>
-              <a:rPr lang="en-US" dirty="0"/>
-              <a:t>: With each cmdlet in the pipeline, you can refine or modify the data at each stage, giving you fine-grained control over the output.</a:t>
-            </a:r>
-            <a:endParaRPr lang="en-GB" dirty="0"/>
+        <p:spPr bwMode="auto">
+          <a:xfrm>
+            <a:off x="838200" y="1830684"/>
+            <a:ext cx="10422924" cy="3662541"/>
+          </a:xfrm>
+          <a:prstGeom prst="rect">
+            <a:avLst/>
+          </a:prstGeom>
+          <a:noFill/>
+          <a:ln>
+            <a:noFill/>
+          </a:ln>
+          <a:effectLst/>
+          <a:extLst>
+            <a:ext uri="{909E8E84-426E-40DD-AFC4-6F175D3DCCD1}">
+              <a14:hiddenFill xmlns:a14="http://schemas.microsoft.com/office/drawing/2010/main">
+                <a:solidFill>
+                  <a:schemeClr val="accent1"/>
+                </a:solidFill>
+              </a14:hiddenFill>
+            </a:ext>
+            <a:ext uri="{91240B29-F687-4F45-9708-019B960494DF}">
+              <a14:hiddenLine xmlns:a14="http://schemas.microsoft.com/office/drawing/2010/main" w="9525">
+                <a:solidFill>
+                  <a:schemeClr val="tx1"/>
+                </a:solidFill>
+                <a:miter lim="800000"/>
+                <a:headEnd/>
+                <a:tailEnd/>
+              </a14:hiddenLine>
+            </a:ext>
+            <a:ext uri="{AF507438-7753-43E0-B8FC-AC1667EBCBE1}">
+              <a14:hiddenEffects xmlns:a14="http://schemas.microsoft.com/office/drawing/2010/main">
+                <a:effectLst>
+                  <a:outerShdw dist="35921" dir="2700000" algn="ctr" rotWithShape="0">
+                    <a:schemeClr val="bg2"/>
+                  </a:outerShdw>
+                </a:effectLst>
+              </a14:hiddenEffects>
+            </a:ext>
+          </a:extLst>
+        </p:spPr>
+        <p:txBody>
+          <a:bodyPr vert="horz" wrap="square" lIns="91440" tIns="45720" rIns="91440" bIns="45720" numCol="1" anchor="ctr" anchorCtr="0" compatLnSpc="1">
+            <a:prstTxWarp prst="textNoShape">
+              <a:avLst/>
+            </a:prstTxWarp>
+            <a:spAutoFit/>
+          </a:bodyPr>
+          <a:lstStyle/>
+          <a:p>
+            <a:pPr eaLnBrk="0" fontAlgn="base" hangingPunct="0">
+              <a:lnSpc>
+                <a:spcPct val="100000"/>
+              </a:lnSpc>
+              <a:spcBef>
+                <a:spcPct val="0"/>
+              </a:spcBef>
+              <a:spcAft>
+                <a:spcPct val="0"/>
+              </a:spcAft>
+            </a:pPr>
+            <a:r>
+              <a:rPr kumimoji="0" lang="en-US" altLang="en-US" sz="1600" b="1" i="0" u="none" strike="noStrike" cap="none" normalizeH="0" baseline="0" dirty="0" smtClean="0">
+                <a:ln>
+                  <a:noFill/>
+                </a:ln>
+                <a:solidFill>
+                  <a:schemeClr val="tx1"/>
+                </a:solidFill>
+                <a:effectLst/>
+                <a:latin typeface="Arial" panose="020B0604020202020204" pitchFamily="34" charset="0"/>
+              </a:rPr>
+              <a:t>Simplifies Automation</a:t>
+            </a:r>
+            <a:r>
+              <a:rPr kumimoji="0" lang="en-US" altLang="en-US" sz="1600" b="0" i="0" u="none" strike="noStrike" cap="none" normalizeH="0" baseline="0" dirty="0" smtClean="0">
+                <a:ln>
+                  <a:noFill/>
+                </a:ln>
+                <a:solidFill>
+                  <a:schemeClr val="tx1"/>
+                </a:solidFill>
+                <a:effectLst/>
+                <a:latin typeface="Arial" panose="020B0604020202020204" pitchFamily="34" charset="0"/>
+              </a:rPr>
+              <a:t>:</a:t>
+            </a:r>
+          </a:p>
+          <a:p>
+            <a:pPr lvl="1" eaLnBrk="0" fontAlgn="base" hangingPunct="0">
+              <a:lnSpc>
+                <a:spcPct val="100000"/>
+              </a:lnSpc>
+              <a:spcBef>
+                <a:spcPct val="0"/>
+              </a:spcBef>
+              <a:spcAft>
+                <a:spcPct val="0"/>
+              </a:spcAft>
+            </a:pPr>
+            <a:r>
+              <a:rPr kumimoji="0" lang="en-US" altLang="en-US" sz="1200" b="0" i="0" u="none" strike="noStrike" cap="none" normalizeH="0" baseline="0" dirty="0" smtClean="0">
+                <a:ln>
+                  <a:noFill/>
+                </a:ln>
+                <a:solidFill>
+                  <a:schemeClr val="tx1"/>
+                </a:solidFill>
+                <a:effectLst/>
+                <a:latin typeface="Arial" panose="020B0604020202020204" pitchFamily="34" charset="0"/>
+              </a:rPr>
+              <a:t>Chain cmdlets to perform tasks in a single line.</a:t>
+            </a:r>
+          </a:p>
+          <a:p>
+            <a:pPr lvl="1" eaLnBrk="0" fontAlgn="base" hangingPunct="0">
+              <a:lnSpc>
+                <a:spcPct val="100000"/>
+              </a:lnSpc>
+              <a:spcBef>
+                <a:spcPct val="0"/>
+              </a:spcBef>
+              <a:spcAft>
+                <a:spcPct val="0"/>
+              </a:spcAft>
+            </a:pPr>
+            <a:r>
+              <a:rPr kumimoji="0" lang="en-US" altLang="en-US" sz="1200" b="0" i="0" u="none" strike="noStrike" cap="none" normalizeH="0" baseline="0" dirty="0" smtClean="0">
+                <a:ln>
+                  <a:noFill/>
+                </a:ln>
+                <a:solidFill>
+                  <a:schemeClr val="tx1"/>
+                </a:solidFill>
+                <a:effectLst/>
+                <a:latin typeface="Arial" panose="020B0604020202020204" pitchFamily="34" charset="0"/>
+              </a:rPr>
+              <a:t>Reduces the need for complex scripts.</a:t>
+            </a:r>
+          </a:p>
+          <a:p>
+            <a:pPr eaLnBrk="0" fontAlgn="base" hangingPunct="0">
+              <a:lnSpc>
+                <a:spcPct val="100000"/>
+              </a:lnSpc>
+              <a:spcBef>
+                <a:spcPct val="0"/>
+              </a:spcBef>
+              <a:spcAft>
+                <a:spcPct val="0"/>
+              </a:spcAft>
+            </a:pPr>
+            <a:r>
+              <a:rPr kumimoji="0" lang="en-US" altLang="en-US" sz="1600" b="1" i="0" u="none" strike="noStrike" cap="none" normalizeH="0" baseline="0" dirty="0" smtClean="0">
+                <a:ln>
+                  <a:noFill/>
+                </a:ln>
+                <a:solidFill>
+                  <a:schemeClr val="tx1"/>
+                </a:solidFill>
+                <a:effectLst/>
+                <a:latin typeface="Arial" panose="020B0604020202020204" pitchFamily="34" charset="0"/>
+              </a:rPr>
+              <a:t>Improves Efficiency</a:t>
+            </a:r>
+            <a:r>
+              <a:rPr kumimoji="0" lang="en-US" altLang="en-US" sz="1600" b="0" i="0" u="none" strike="noStrike" cap="none" normalizeH="0" baseline="0" dirty="0" smtClean="0">
+                <a:ln>
+                  <a:noFill/>
+                </a:ln>
+                <a:solidFill>
+                  <a:schemeClr val="tx1"/>
+                </a:solidFill>
+                <a:effectLst/>
+                <a:latin typeface="Arial" panose="020B0604020202020204" pitchFamily="34" charset="0"/>
+              </a:rPr>
+              <a:t>:</a:t>
+            </a:r>
+          </a:p>
+          <a:p>
+            <a:pPr lvl="1" eaLnBrk="0" fontAlgn="base" hangingPunct="0">
+              <a:lnSpc>
+                <a:spcPct val="100000"/>
+              </a:lnSpc>
+              <a:spcBef>
+                <a:spcPct val="0"/>
+              </a:spcBef>
+              <a:spcAft>
+                <a:spcPct val="0"/>
+              </a:spcAft>
+            </a:pPr>
+            <a:r>
+              <a:rPr kumimoji="0" lang="en-US" altLang="en-US" sz="1200" b="0" i="0" u="none" strike="noStrike" cap="none" normalizeH="0" baseline="0" dirty="0" smtClean="0">
+                <a:ln>
+                  <a:noFill/>
+                </a:ln>
+                <a:solidFill>
+                  <a:schemeClr val="tx1"/>
+                </a:solidFill>
+                <a:effectLst/>
+                <a:latin typeface="Arial" panose="020B0604020202020204" pitchFamily="34" charset="0"/>
+              </a:rPr>
+              <a:t>Direct data flow between cmdlets, no need for temporary storage.</a:t>
+            </a:r>
+          </a:p>
+          <a:p>
+            <a:pPr lvl="1" eaLnBrk="0" fontAlgn="base" hangingPunct="0">
+              <a:lnSpc>
+                <a:spcPct val="100000"/>
+              </a:lnSpc>
+              <a:spcBef>
+                <a:spcPct val="0"/>
+              </a:spcBef>
+              <a:spcAft>
+                <a:spcPct val="0"/>
+              </a:spcAft>
+            </a:pPr>
+            <a:r>
+              <a:rPr kumimoji="0" lang="en-US" altLang="en-US" sz="1200" b="0" i="0" u="none" strike="noStrike" cap="none" normalizeH="0" baseline="0" dirty="0" smtClean="0">
+                <a:ln>
+                  <a:noFill/>
+                </a:ln>
+                <a:solidFill>
+                  <a:schemeClr val="tx1"/>
+                </a:solidFill>
+                <a:effectLst/>
+                <a:latin typeface="Arial" panose="020B0604020202020204" pitchFamily="34" charset="0"/>
+              </a:rPr>
+              <a:t>Speeds up processing and reduces memory usage.</a:t>
+            </a:r>
+          </a:p>
+          <a:p>
+            <a:pPr eaLnBrk="0" fontAlgn="base" hangingPunct="0">
+              <a:lnSpc>
+                <a:spcPct val="100000"/>
+              </a:lnSpc>
+              <a:spcBef>
+                <a:spcPct val="0"/>
+              </a:spcBef>
+              <a:spcAft>
+                <a:spcPct val="0"/>
+              </a:spcAft>
+            </a:pPr>
+            <a:r>
+              <a:rPr kumimoji="0" lang="en-US" altLang="en-US" sz="1600" b="1" i="0" u="none" strike="noStrike" cap="none" normalizeH="0" baseline="0" dirty="0" smtClean="0">
+                <a:ln>
+                  <a:noFill/>
+                </a:ln>
+                <a:solidFill>
+                  <a:schemeClr val="tx1"/>
+                </a:solidFill>
+                <a:effectLst/>
+                <a:latin typeface="Arial" panose="020B0604020202020204" pitchFamily="34" charset="0"/>
+              </a:rPr>
+              <a:t>Real-Time Processing</a:t>
+            </a:r>
+            <a:r>
+              <a:rPr kumimoji="0" lang="en-US" altLang="en-US" sz="1600" b="0" i="0" u="none" strike="noStrike" cap="none" normalizeH="0" baseline="0" dirty="0" smtClean="0">
+                <a:ln>
+                  <a:noFill/>
+                </a:ln>
+                <a:solidFill>
+                  <a:schemeClr val="tx1"/>
+                </a:solidFill>
+                <a:effectLst/>
+                <a:latin typeface="Arial" panose="020B0604020202020204" pitchFamily="34" charset="0"/>
+              </a:rPr>
+              <a:t>:</a:t>
+            </a:r>
+          </a:p>
+          <a:p>
+            <a:pPr lvl="1" eaLnBrk="0" fontAlgn="base" hangingPunct="0">
+              <a:lnSpc>
+                <a:spcPct val="100000"/>
+              </a:lnSpc>
+              <a:spcBef>
+                <a:spcPct val="0"/>
+              </a:spcBef>
+              <a:spcAft>
+                <a:spcPct val="0"/>
+              </a:spcAft>
+            </a:pPr>
+            <a:r>
+              <a:rPr kumimoji="0" lang="en-US" altLang="en-US" sz="1200" b="0" i="0" u="none" strike="noStrike" cap="none" normalizeH="0" baseline="0" dirty="0" smtClean="0">
+                <a:ln>
+                  <a:noFill/>
+                </a:ln>
+                <a:solidFill>
+                  <a:schemeClr val="tx1"/>
+                </a:solidFill>
+                <a:effectLst/>
+                <a:latin typeface="Arial" panose="020B0604020202020204" pitchFamily="34" charset="0"/>
+              </a:rPr>
+              <a:t>Data is processed immediately, providing faster results.</a:t>
+            </a:r>
+          </a:p>
+          <a:p>
+            <a:pPr eaLnBrk="0" fontAlgn="base" hangingPunct="0">
+              <a:lnSpc>
+                <a:spcPct val="100000"/>
+              </a:lnSpc>
+              <a:spcBef>
+                <a:spcPct val="0"/>
+              </a:spcBef>
+              <a:spcAft>
+                <a:spcPct val="0"/>
+              </a:spcAft>
+            </a:pPr>
+            <a:r>
+              <a:rPr kumimoji="0" lang="en-US" altLang="en-US" sz="1600" b="1" i="0" u="none" strike="noStrike" cap="none" normalizeH="0" baseline="0" dirty="0" smtClean="0">
+                <a:ln>
+                  <a:noFill/>
+                </a:ln>
+                <a:solidFill>
+                  <a:schemeClr val="tx1"/>
+                </a:solidFill>
+                <a:effectLst/>
+                <a:latin typeface="Arial" panose="020B0604020202020204" pitchFamily="34" charset="0"/>
+              </a:rPr>
+              <a:t>Reduces Code Complexity</a:t>
+            </a:r>
+            <a:r>
+              <a:rPr kumimoji="0" lang="en-US" altLang="en-US" sz="1600" b="0" i="0" u="none" strike="noStrike" cap="none" normalizeH="0" baseline="0" dirty="0" smtClean="0">
+                <a:ln>
+                  <a:noFill/>
+                </a:ln>
+                <a:solidFill>
+                  <a:schemeClr val="tx1"/>
+                </a:solidFill>
+                <a:effectLst/>
+                <a:latin typeface="Arial" panose="020B0604020202020204" pitchFamily="34" charset="0"/>
+              </a:rPr>
+              <a:t>:</a:t>
+            </a:r>
+          </a:p>
+          <a:p>
+            <a:pPr lvl="1" eaLnBrk="0" fontAlgn="base" hangingPunct="0">
+              <a:lnSpc>
+                <a:spcPct val="100000"/>
+              </a:lnSpc>
+              <a:spcBef>
+                <a:spcPct val="0"/>
+              </a:spcBef>
+              <a:spcAft>
+                <a:spcPct val="0"/>
+              </a:spcAft>
+            </a:pPr>
+            <a:r>
+              <a:rPr kumimoji="0" lang="en-US" altLang="en-US" sz="1200" b="0" i="0" u="none" strike="noStrike" cap="none" normalizeH="0" baseline="0" dirty="0" smtClean="0">
+                <a:ln>
+                  <a:noFill/>
+                </a:ln>
+                <a:solidFill>
+                  <a:schemeClr val="tx1"/>
+                </a:solidFill>
+                <a:effectLst/>
+                <a:latin typeface="Arial" panose="020B0604020202020204" pitchFamily="34" charset="0"/>
+              </a:rPr>
+              <a:t>Complex tasks with fewer lines of code.</a:t>
+            </a:r>
+          </a:p>
+          <a:p>
+            <a:pPr lvl="1" eaLnBrk="0" fontAlgn="base" hangingPunct="0">
+              <a:lnSpc>
+                <a:spcPct val="100000"/>
+              </a:lnSpc>
+              <a:spcBef>
+                <a:spcPct val="0"/>
+              </a:spcBef>
+              <a:spcAft>
+                <a:spcPct val="0"/>
+              </a:spcAft>
+            </a:pPr>
+            <a:r>
+              <a:rPr kumimoji="0" lang="en-US" altLang="en-US" sz="1200" b="0" i="0" u="none" strike="noStrike" cap="none" normalizeH="0" baseline="0" dirty="0" smtClean="0">
+                <a:ln>
+                  <a:noFill/>
+                </a:ln>
+                <a:solidFill>
+                  <a:schemeClr val="tx1"/>
+                </a:solidFill>
+                <a:effectLst/>
+                <a:latin typeface="Arial" panose="020B0604020202020204" pitchFamily="34" charset="0"/>
+              </a:rPr>
+              <a:t>Easier to read and maintain scripts.</a:t>
+            </a:r>
+          </a:p>
+          <a:p>
+            <a:pPr eaLnBrk="0" fontAlgn="base" hangingPunct="0">
+              <a:lnSpc>
+                <a:spcPct val="100000"/>
+              </a:lnSpc>
+              <a:spcBef>
+                <a:spcPct val="0"/>
+              </a:spcBef>
+              <a:spcAft>
+                <a:spcPct val="0"/>
+              </a:spcAft>
+            </a:pPr>
+            <a:r>
+              <a:rPr kumimoji="0" lang="en-US" altLang="en-US" sz="1600" b="1" i="0" u="none" strike="noStrike" cap="none" normalizeH="0" baseline="0" dirty="0" smtClean="0">
+                <a:ln>
+                  <a:noFill/>
+                </a:ln>
+                <a:solidFill>
+                  <a:schemeClr val="tx1"/>
+                </a:solidFill>
+                <a:effectLst/>
+                <a:latin typeface="Arial" panose="020B0604020202020204" pitchFamily="34" charset="0"/>
+              </a:rPr>
+              <a:t>Increases Flexibility</a:t>
+            </a:r>
+            <a:r>
+              <a:rPr kumimoji="0" lang="en-US" altLang="en-US" sz="1600" b="0" i="0" u="none" strike="noStrike" cap="none" normalizeH="0" baseline="0" dirty="0" smtClean="0">
+                <a:ln>
+                  <a:noFill/>
+                </a:ln>
+                <a:solidFill>
+                  <a:schemeClr val="tx1"/>
+                </a:solidFill>
+                <a:effectLst/>
+                <a:latin typeface="Arial" panose="020B0604020202020204" pitchFamily="34" charset="0"/>
+              </a:rPr>
+              <a:t>:</a:t>
+            </a:r>
+          </a:p>
+          <a:p>
+            <a:pPr lvl="1" eaLnBrk="0" fontAlgn="base" hangingPunct="0">
+              <a:lnSpc>
+                <a:spcPct val="100000"/>
+              </a:lnSpc>
+              <a:spcBef>
+                <a:spcPct val="0"/>
+              </a:spcBef>
+              <a:spcAft>
+                <a:spcPct val="0"/>
+              </a:spcAft>
+            </a:pPr>
+            <a:r>
+              <a:rPr kumimoji="0" lang="en-US" altLang="en-US" sz="1200" b="0" i="0" u="none" strike="noStrike" cap="none" normalizeH="0" baseline="0" dirty="0" smtClean="0">
+                <a:ln>
+                  <a:noFill/>
+                </a:ln>
+                <a:solidFill>
+                  <a:schemeClr val="tx1"/>
+                </a:solidFill>
+                <a:effectLst/>
+                <a:latin typeface="Arial" panose="020B0604020202020204" pitchFamily="34" charset="0"/>
+              </a:rPr>
+              <a:t>Works with various objects (files, services, processes, etc.).</a:t>
+            </a:r>
+          </a:p>
+          <a:p>
+            <a:pPr lvl="1" eaLnBrk="0" fontAlgn="base" hangingPunct="0">
+              <a:lnSpc>
+                <a:spcPct val="100000"/>
+              </a:lnSpc>
+              <a:spcBef>
+                <a:spcPct val="0"/>
+              </a:spcBef>
+              <a:spcAft>
+                <a:spcPct val="0"/>
+              </a:spcAft>
+            </a:pPr>
+            <a:r>
+              <a:rPr kumimoji="0" lang="en-US" altLang="en-US" sz="1200" b="0" i="0" u="none" strike="noStrike" cap="none" normalizeH="0" baseline="0" dirty="0" smtClean="0">
+                <a:ln>
+                  <a:noFill/>
+                </a:ln>
+                <a:solidFill>
+                  <a:schemeClr val="tx1"/>
+                </a:solidFill>
+                <a:effectLst/>
+                <a:latin typeface="Arial" panose="020B0604020202020204" pitchFamily="34" charset="0"/>
+              </a:rPr>
+              <a:t>Allows filtering, sorting, and formatting.</a:t>
+            </a:r>
+          </a:p>
+          <a:p>
+            <a:pPr eaLnBrk="0" fontAlgn="base" hangingPunct="0">
+              <a:lnSpc>
+                <a:spcPct val="100000"/>
+              </a:lnSpc>
+              <a:spcBef>
+                <a:spcPct val="0"/>
+              </a:spcBef>
+              <a:spcAft>
+                <a:spcPct val="0"/>
+              </a:spcAft>
+            </a:pPr>
+            <a:r>
+              <a:rPr kumimoji="0" lang="en-US" altLang="en-US" sz="1600" b="1" i="0" u="none" strike="noStrike" cap="none" normalizeH="0" baseline="0" dirty="0" smtClean="0">
+                <a:ln>
+                  <a:noFill/>
+                </a:ln>
+                <a:solidFill>
+                  <a:schemeClr val="tx1"/>
+                </a:solidFill>
+                <a:effectLst/>
+                <a:latin typeface="Arial" panose="020B0604020202020204" pitchFamily="34" charset="0"/>
+              </a:rPr>
+              <a:t>Streamlines Data Transformation</a:t>
+            </a:r>
+            <a:r>
+              <a:rPr kumimoji="0" lang="en-US" altLang="en-US" sz="1600" b="0" i="0" u="none" strike="noStrike" cap="none" normalizeH="0" baseline="0" dirty="0" smtClean="0">
+                <a:ln>
+                  <a:noFill/>
+                </a:ln>
+                <a:solidFill>
+                  <a:schemeClr val="tx1"/>
+                </a:solidFill>
+                <a:effectLst/>
+                <a:latin typeface="Arial" panose="020B0604020202020204" pitchFamily="34" charset="0"/>
+              </a:rPr>
+              <a:t>:</a:t>
+            </a:r>
+          </a:p>
+          <a:p>
+            <a:pPr lvl="1" eaLnBrk="0" fontAlgn="base" hangingPunct="0">
+              <a:lnSpc>
+                <a:spcPct val="100000"/>
+              </a:lnSpc>
+              <a:spcBef>
+                <a:spcPct val="0"/>
+              </a:spcBef>
+              <a:spcAft>
+                <a:spcPct val="0"/>
+              </a:spcAft>
+            </a:pPr>
+            <a:r>
+              <a:rPr kumimoji="0" lang="en-US" altLang="en-US" sz="1200" b="0" i="0" u="none" strike="noStrike" cap="none" normalizeH="0" baseline="0" dirty="0" smtClean="0">
+                <a:ln>
+                  <a:noFill/>
+                </a:ln>
+                <a:solidFill>
+                  <a:schemeClr val="tx1"/>
+                </a:solidFill>
+                <a:effectLst/>
+                <a:latin typeface="Arial" panose="020B0604020202020204" pitchFamily="34" charset="0"/>
+              </a:rPr>
+              <a:t>Easily filter, sort, and transform data through cmdlet chaining.</a:t>
+            </a:r>
+          </a:p>
+          <a:p>
+            <a:pPr eaLnBrk="0" fontAlgn="base" hangingPunct="0">
+              <a:lnSpc>
+                <a:spcPct val="100000"/>
+              </a:lnSpc>
+              <a:spcBef>
+                <a:spcPct val="0"/>
+              </a:spcBef>
+              <a:spcAft>
+                <a:spcPct val="0"/>
+              </a:spcAft>
+            </a:pPr>
+            <a:endParaRPr kumimoji="0" lang="en-US" altLang="en-US" sz="1600" b="0" i="0" u="none" strike="noStrike" cap="none" normalizeH="0" baseline="0" dirty="0" smtClean="0">
+              <a:ln>
+                <a:noFill/>
+              </a:ln>
+              <a:solidFill>
+                <a:schemeClr val="tx1"/>
+              </a:solidFill>
+              <a:effectLst/>
+              <a:latin typeface="Arial" panose="020B0604020202020204" pitchFamily="34" charset="0"/>
+            </a:endParaRPr>
           </a:p>
         </p:txBody>
       </p:sp>
@@ -3990,15 +4569,28 @@
           <a:bodyPr anchor="ctr"/>
           <a:lstStyle/>
           <a:p>
-            <a:pPr marL="0" indent="0">
-              <a:buNone/>
-            </a:pPr>
+            <a:r>
+              <a:rPr lang="en-GB" sz="3200" dirty="0"/>
+              <a:t>Filtering and Formatting Data</a:t>
+            </a:r>
+            <a:endParaRPr lang="en-IN" sz="3200" dirty="0" smtClean="0"/>
+          </a:p>
+          <a:p>
+            <a:r>
+              <a:rPr lang="en-GB" sz="3200" dirty="0"/>
+              <a:t>Sorting Data</a:t>
+            </a:r>
             <a:endParaRPr lang="en-IN" sz="3200" dirty="0"/>
           </a:p>
           <a:p>
-            <a:pPr marL="0" indent="0">
-              <a:buNone/>
-            </a:pPr>
+            <a:r>
+              <a:rPr lang="en-GB" sz="3200" dirty="0"/>
+              <a:t>Exporting </a:t>
+            </a:r>
+            <a:r>
+              <a:rPr lang="en-GB" sz="3200" dirty="0" smtClean="0"/>
+              <a:t>Data</a:t>
+            </a:r>
             <a:endParaRPr lang="en-IN" sz="3200" dirty="0"/>
           </a:p>
         </p:txBody>
@@ -4006,7 +4598,7 @@
     </p:spTree>
     <p:extLst>
       <p:ext uri="{BB962C8B-B14F-4D97-AF65-F5344CB8AC3E}">
-        <p14:creationId xmlns:p14="http://schemas.microsoft.com/office/powerpoint/2010/main" val="3840072570"/>
+        <p14:creationId xmlns:p14="http://schemas.microsoft.com/office/powerpoint/2010/main" val="2015088115"/>
       </p:ext>
     </p:extLst>
   </p:cSld>
